--- a/Soutenance_intro_main1_2_3.pptx
+++ b/Soutenance_intro_main1_2_3.pptx
@@ -1164,6 +1164,13 @@
         </dgm:presLayoutVars>
       </dgm:prSet>
       <dgm:spPr/>
+      <dgm:t>
+        <a:bodyPr/>
+        <a:lstStyle/>
+        <a:p>
+          <a:endParaRPr lang="fr-FR"/>
+        </a:p>
+      </dgm:t>
     </dgm:pt>
     <dgm:pt modelId="{A4858121-A645-41F3-875B-288AAC93DAE7}" type="pres">
       <dgm:prSet presAssocID="{AEDD50E2-630A-4CFC-AB4A-37B3A14456DF}" presName="centerShape" presStyleLbl="node0" presStyleIdx="0" presStyleCnt="1" custScaleX="122248" custScaleY="122248" custLinFactNeighborX="-18207" custLinFactNeighborY="0"/>
@@ -1179,10 +1186,24 @@
     <dgm:pt modelId="{3E2F12D6-4E1F-4D76-B406-56C85FD9EF7C}" type="pres">
       <dgm:prSet presAssocID="{2EFA5A0F-F528-4B26-A503-0DA6C9486C5B}" presName="parTrans" presStyleLbl="sibTrans2D1" presStyleIdx="0" presStyleCnt="6"/>
       <dgm:spPr/>
+      <dgm:t>
+        <a:bodyPr/>
+        <a:lstStyle/>
+        <a:p>
+          <a:endParaRPr lang="fr-FR"/>
+        </a:p>
+      </dgm:t>
     </dgm:pt>
     <dgm:pt modelId="{FD5ABCC5-8A3D-4206-9660-998976867B3A}" type="pres">
       <dgm:prSet presAssocID="{2EFA5A0F-F528-4B26-A503-0DA6C9486C5B}" presName="connectorText" presStyleLbl="sibTrans2D1" presStyleIdx="0" presStyleCnt="6"/>
       <dgm:spPr/>
+      <dgm:t>
+        <a:bodyPr/>
+        <a:lstStyle/>
+        <a:p>
+          <a:endParaRPr lang="fr-FR"/>
+        </a:p>
+      </dgm:t>
     </dgm:pt>
     <dgm:pt modelId="{29906ED4-A1F1-4317-A7E0-39757C531431}" type="pres">
       <dgm:prSet presAssocID="{9C5D7268-A625-42F8-8E3E-5A72EDB5B775}" presName="node" presStyleLbl="node1" presStyleIdx="0" presStyleCnt="6" custScaleX="99956" custRadScaleRad="112884" custRadScaleInc="-104078">
@@ -1202,10 +1223,24 @@
     <dgm:pt modelId="{F55ED1D0-71EB-44C0-8451-60F419FF3CEC}" type="pres">
       <dgm:prSet presAssocID="{953C1ABD-5DBC-4038-9ED8-0908C596D5CA}" presName="parTrans" presStyleLbl="sibTrans2D1" presStyleIdx="1" presStyleCnt="6"/>
       <dgm:spPr/>
+      <dgm:t>
+        <a:bodyPr/>
+        <a:lstStyle/>
+        <a:p>
+          <a:endParaRPr lang="fr-FR"/>
+        </a:p>
+      </dgm:t>
     </dgm:pt>
     <dgm:pt modelId="{D4E4051E-7319-46E0-A966-3489B6DB7D91}" type="pres">
       <dgm:prSet presAssocID="{953C1ABD-5DBC-4038-9ED8-0908C596D5CA}" presName="connectorText" presStyleLbl="sibTrans2D1" presStyleIdx="1" presStyleCnt="6"/>
       <dgm:spPr/>
+      <dgm:t>
+        <a:bodyPr/>
+        <a:lstStyle/>
+        <a:p>
+          <a:endParaRPr lang="fr-FR"/>
+        </a:p>
+      </dgm:t>
     </dgm:pt>
     <dgm:pt modelId="{FBD6B138-464B-4A28-ADA6-FF2772146854}" type="pres">
       <dgm:prSet presAssocID="{4DE7362F-94E4-4225-8D2D-98F0DE019438}" presName="node" presStyleLbl="node1" presStyleIdx="1" presStyleCnt="6" custScaleX="99956" custRadScaleRad="75004" custRadScaleInc="-114130">
@@ -1225,10 +1260,24 @@
     <dgm:pt modelId="{6089C7AC-BE86-4DC5-BF36-04F6C702DCA3}" type="pres">
       <dgm:prSet presAssocID="{E88FB233-A4FD-420C-8626-37018709CF58}" presName="parTrans" presStyleLbl="sibTrans2D1" presStyleIdx="2" presStyleCnt="6" custScaleX="135465"/>
       <dgm:spPr/>
+      <dgm:t>
+        <a:bodyPr/>
+        <a:lstStyle/>
+        <a:p>
+          <a:endParaRPr lang="fr-FR"/>
+        </a:p>
+      </dgm:t>
     </dgm:pt>
     <dgm:pt modelId="{7E5FFC28-2554-4679-94E0-6CD4EBAE5257}" type="pres">
       <dgm:prSet presAssocID="{E88FB233-A4FD-420C-8626-37018709CF58}" presName="connectorText" presStyleLbl="sibTrans2D1" presStyleIdx="2" presStyleCnt="6"/>
       <dgm:spPr/>
+      <dgm:t>
+        <a:bodyPr/>
+        <a:lstStyle/>
+        <a:p>
+          <a:endParaRPr lang="fr-FR"/>
+        </a:p>
+      </dgm:t>
     </dgm:pt>
     <dgm:pt modelId="{89EC353B-2698-4806-8633-F3C3A200887C}" type="pres">
       <dgm:prSet presAssocID="{FE7E729C-9F4B-45AE-9179-185237C4E56C}" presName="node" presStyleLbl="node1" presStyleIdx="2" presStyleCnt="6" custScaleX="99956" custRadScaleRad="84345" custRadScaleInc="21734">
@@ -1248,10 +1297,24 @@
     <dgm:pt modelId="{DB036232-841B-40DC-A78D-071E1A67DE06}" type="pres">
       <dgm:prSet presAssocID="{E0EEE48B-33B3-4F5C-B9A9-38E5CBE343CC}" presName="parTrans" presStyleLbl="sibTrans2D1" presStyleIdx="3" presStyleCnt="6"/>
       <dgm:spPr/>
+      <dgm:t>
+        <a:bodyPr/>
+        <a:lstStyle/>
+        <a:p>
+          <a:endParaRPr lang="fr-FR"/>
+        </a:p>
+      </dgm:t>
     </dgm:pt>
     <dgm:pt modelId="{C7963CFE-1A2D-425F-AAF5-0B8794C5ED22}" type="pres">
       <dgm:prSet presAssocID="{E0EEE48B-33B3-4F5C-B9A9-38E5CBE343CC}" presName="connectorText" presStyleLbl="sibTrans2D1" presStyleIdx="3" presStyleCnt="6"/>
       <dgm:spPr/>
+      <dgm:t>
+        <a:bodyPr/>
+        <a:lstStyle/>
+        <a:p>
+          <a:endParaRPr lang="fr-FR"/>
+        </a:p>
+      </dgm:t>
     </dgm:pt>
     <dgm:pt modelId="{0C8696C6-86F7-4C27-9FD9-43C1EDAFACC0}" type="pres">
       <dgm:prSet presAssocID="{B38B82DF-BF4B-4096-ADB5-E168E6631C9F}" presName="node" presStyleLbl="node1" presStyleIdx="3" presStyleCnt="6" custScaleX="99956" custRadScaleRad="105618" custRadScaleInc="67553">
@@ -1271,10 +1334,24 @@
     <dgm:pt modelId="{A6373C0D-D84A-4961-A0E5-8125C4F88615}" type="pres">
       <dgm:prSet presAssocID="{CA4B039F-2E09-4D8A-8B82-465722A3A6C6}" presName="parTrans" presStyleLbl="sibTrans2D1" presStyleIdx="4" presStyleCnt="6"/>
       <dgm:spPr/>
+      <dgm:t>
+        <a:bodyPr/>
+        <a:lstStyle/>
+        <a:p>
+          <a:endParaRPr lang="fr-FR"/>
+        </a:p>
+      </dgm:t>
     </dgm:pt>
     <dgm:pt modelId="{CE3FC767-27B0-4F44-A526-1A2C85A32C8E}" type="pres">
       <dgm:prSet presAssocID="{CA4B039F-2E09-4D8A-8B82-465722A3A6C6}" presName="connectorText" presStyleLbl="sibTrans2D1" presStyleIdx="4" presStyleCnt="6"/>
       <dgm:spPr/>
+      <dgm:t>
+        <a:bodyPr/>
+        <a:lstStyle/>
+        <a:p>
+          <a:endParaRPr lang="fr-FR"/>
+        </a:p>
+      </dgm:t>
     </dgm:pt>
     <dgm:pt modelId="{1ACE714B-E8A6-4606-A331-E73AF83A6A2D}" type="pres">
       <dgm:prSet presAssocID="{7508628D-9867-466E-90F1-3F25AE5FC716}" presName="node" presStyleLbl="node1" presStyleIdx="4" presStyleCnt="6" custScaleX="100000" custRadScaleRad="130867" custRadScaleInc="21949">
@@ -1294,10 +1371,24 @@
     <dgm:pt modelId="{B7087D4A-1B45-4291-A7EE-0DD035BCFC8A}" type="pres">
       <dgm:prSet presAssocID="{8CC87309-94F1-451D-B281-88F372184AFC}" presName="parTrans" presStyleLbl="sibTrans2D1" presStyleIdx="5" presStyleCnt="6"/>
       <dgm:spPr/>
+      <dgm:t>
+        <a:bodyPr/>
+        <a:lstStyle/>
+        <a:p>
+          <a:endParaRPr lang="fr-FR"/>
+        </a:p>
+      </dgm:t>
     </dgm:pt>
     <dgm:pt modelId="{B28DD90A-1511-41B0-A092-E070AEB7EE02}" type="pres">
       <dgm:prSet presAssocID="{8CC87309-94F1-451D-B281-88F372184AFC}" presName="connectorText" presStyleLbl="sibTrans2D1" presStyleIdx="5" presStyleCnt="6"/>
       <dgm:spPr/>
+      <dgm:t>
+        <a:bodyPr/>
+        <a:lstStyle/>
+        <a:p>
+          <a:endParaRPr lang="fr-FR"/>
+        </a:p>
+      </dgm:t>
     </dgm:pt>
     <dgm:pt modelId="{490F622B-DF42-46D9-889A-50EE0A7916FC}" type="pres">
       <dgm:prSet presAssocID="{4CAEE0D5-4FC9-4B3D-A1F6-0D4A337395EB}" presName="node" presStyleLbl="node1" presStyleIdx="5" presStyleCnt="6" custScaleX="100000" custRadScaleRad="139999" custRadScaleInc="-46698">
@@ -1316,33 +1407,33 @@
     </dgm:pt>
   </dgm:ptLst>
   <dgm:cxnLst>
+    <dgm:cxn modelId="{88F5419B-B9DA-4211-898F-6534A73481DC}" srcId="{AEDD50E2-630A-4CFC-AB4A-37B3A14456DF}" destId="{FE7E729C-9F4B-45AE-9179-185237C4E56C}" srcOrd="2" destOrd="0" parTransId="{E88FB233-A4FD-420C-8626-37018709CF58}" sibTransId="{B541B8B8-6069-439D-8AE6-E58ABB963C6B}"/>
+    <dgm:cxn modelId="{0BA664AF-DB10-4773-A8A3-B7BF57FCD705}" srcId="{AEDD50E2-630A-4CFC-AB4A-37B3A14456DF}" destId="{4DE7362F-94E4-4225-8D2D-98F0DE019438}" srcOrd="1" destOrd="0" parTransId="{953C1ABD-5DBC-4038-9ED8-0908C596D5CA}" sibTransId="{EBC375B8-8A70-4F8E-AE10-9173AF9AAD92}"/>
+    <dgm:cxn modelId="{DF1D0E16-F887-4DDD-BE94-4E646E1B9482}" srcId="{4A3AA29E-9837-43B6-9F7D-A256BDAB13A8}" destId="{AEDD50E2-630A-4CFC-AB4A-37B3A14456DF}" srcOrd="0" destOrd="0" parTransId="{A7D31C6E-48AA-47D1-8322-0A5B8274B996}" sibTransId="{E90920A5-A8C6-41DD-B8C0-D6ACEEFCE1D3}"/>
+    <dgm:cxn modelId="{3114AD6E-D6D4-429A-8864-56B50B07F215}" type="presOf" srcId="{4CAEE0D5-4FC9-4B3D-A1F6-0D4A337395EB}" destId="{490F622B-DF42-46D9-889A-50EE0A7916FC}" srcOrd="0" destOrd="0" presId="urn:microsoft.com/office/officeart/2005/8/layout/radial5"/>
+    <dgm:cxn modelId="{B074CEC5-E198-4022-913D-BE94F3034275}" type="presOf" srcId="{953C1ABD-5DBC-4038-9ED8-0908C596D5CA}" destId="{D4E4051E-7319-46E0-A966-3489B6DB7D91}" srcOrd="1" destOrd="0" presId="urn:microsoft.com/office/officeart/2005/8/layout/radial5"/>
+    <dgm:cxn modelId="{2E3679DA-77A3-4EB8-B899-4B21AB1A415F}" type="presOf" srcId="{2EFA5A0F-F528-4B26-A503-0DA6C9486C5B}" destId="{3E2F12D6-4E1F-4D76-B406-56C85FD9EF7C}" srcOrd="0" destOrd="0" presId="urn:microsoft.com/office/officeart/2005/8/layout/radial5"/>
+    <dgm:cxn modelId="{B1E936DA-0C9E-4B17-B35E-09C5C632C848}" type="presOf" srcId="{CA4B039F-2E09-4D8A-8B82-465722A3A6C6}" destId="{A6373C0D-D84A-4961-A0E5-8125C4F88615}" srcOrd="0" destOrd="0" presId="urn:microsoft.com/office/officeart/2005/8/layout/radial5"/>
+    <dgm:cxn modelId="{0D0312BC-1D80-49EE-9137-EA064F8240AF}" srcId="{AEDD50E2-630A-4CFC-AB4A-37B3A14456DF}" destId="{9C5D7268-A625-42F8-8E3E-5A72EDB5B775}" srcOrd="0" destOrd="0" parTransId="{2EFA5A0F-F528-4B26-A503-0DA6C9486C5B}" sibTransId="{B33B900F-669E-49E4-AB65-FBFC6D5002EF}"/>
     <dgm:cxn modelId="{C727972E-25AE-491F-BC82-14B42C0476BA}" type="presOf" srcId="{7508628D-9867-466E-90F1-3F25AE5FC716}" destId="{1ACE714B-E8A6-4606-A331-E73AF83A6A2D}" srcOrd="0" destOrd="0" presId="urn:microsoft.com/office/officeart/2005/8/layout/radial5"/>
-    <dgm:cxn modelId="{B074CEC5-E198-4022-913D-BE94F3034275}" type="presOf" srcId="{953C1ABD-5DBC-4038-9ED8-0908C596D5CA}" destId="{D4E4051E-7319-46E0-A966-3489B6DB7D91}" srcOrd="1" destOrd="0" presId="urn:microsoft.com/office/officeart/2005/8/layout/radial5"/>
+    <dgm:cxn modelId="{916E989A-7DCE-4E6E-81F1-CAA9A615A762}" type="presOf" srcId="{E88FB233-A4FD-420C-8626-37018709CF58}" destId="{6089C7AC-BE86-4DC5-BF36-04F6C702DCA3}" srcOrd="0" destOrd="0" presId="urn:microsoft.com/office/officeart/2005/8/layout/radial5"/>
+    <dgm:cxn modelId="{AAAA38EF-50C0-43C8-A5FA-B5F88789A968}" type="presOf" srcId="{4A3AA29E-9837-43B6-9F7D-A256BDAB13A8}" destId="{C1F82EDE-3A1B-475F-8FBF-56D4E202FDEA}" srcOrd="0" destOrd="0" presId="urn:microsoft.com/office/officeart/2005/8/layout/radial5"/>
+    <dgm:cxn modelId="{64E692F9-0C61-4752-8800-ECE71EC4A222}" type="presOf" srcId="{CA4B039F-2E09-4D8A-8B82-465722A3A6C6}" destId="{CE3FC767-27B0-4F44-A526-1A2C85A32C8E}" srcOrd="1" destOrd="0" presId="urn:microsoft.com/office/officeart/2005/8/layout/radial5"/>
+    <dgm:cxn modelId="{CD92F0F0-C525-41CB-82BA-A310D3BAFD20}" srcId="{AEDD50E2-630A-4CFC-AB4A-37B3A14456DF}" destId="{4CAEE0D5-4FC9-4B3D-A1F6-0D4A337395EB}" srcOrd="5" destOrd="0" parTransId="{8CC87309-94F1-451D-B281-88F372184AFC}" sibTransId="{6F4BB794-14E1-4A7A-930A-949480FCED95}"/>
+    <dgm:cxn modelId="{A348F468-B25A-4AEC-B794-55BE4B78BEC3}" type="presOf" srcId="{2EFA5A0F-F528-4B26-A503-0DA6C9486C5B}" destId="{FD5ABCC5-8A3D-4206-9660-998976867B3A}" srcOrd="1" destOrd="0" presId="urn:microsoft.com/office/officeart/2005/8/layout/radial5"/>
+    <dgm:cxn modelId="{43D6C6C3-6D1D-432A-94E3-135F4B664462}" type="presOf" srcId="{AEDD50E2-630A-4CFC-AB4A-37B3A14456DF}" destId="{A4858121-A645-41F3-875B-288AAC93DAE7}" srcOrd="0" destOrd="0" presId="urn:microsoft.com/office/officeart/2005/8/layout/radial5"/>
     <dgm:cxn modelId="{085C9CB5-730B-4964-9A0C-F73234654873}" type="presOf" srcId="{8CC87309-94F1-451D-B281-88F372184AFC}" destId="{B28DD90A-1511-41B0-A092-E070AEB7EE02}" srcOrd="1" destOrd="0" presId="urn:microsoft.com/office/officeart/2005/8/layout/radial5"/>
+    <dgm:cxn modelId="{DF3DF5F5-99CB-4652-8AF0-2754CE88C80A}" type="presOf" srcId="{FE7E729C-9F4B-45AE-9179-185237C4E56C}" destId="{89EC353B-2698-4806-8633-F3C3A200887C}" srcOrd="0" destOrd="0" presId="urn:microsoft.com/office/officeart/2005/8/layout/radial5"/>
+    <dgm:cxn modelId="{73B4FCF5-FCE1-41F5-B88E-2A2AB8140107}" type="presOf" srcId="{4DE7362F-94E4-4225-8D2D-98F0DE019438}" destId="{FBD6B138-464B-4A28-ADA6-FF2772146854}" srcOrd="0" destOrd="0" presId="urn:microsoft.com/office/officeart/2005/8/layout/radial5"/>
+    <dgm:cxn modelId="{775A47BD-090E-40A8-8D41-99204EFC8CCA}" type="presOf" srcId="{E0EEE48B-33B3-4F5C-B9A9-38E5CBE343CC}" destId="{DB036232-841B-40DC-A78D-071E1A67DE06}" srcOrd="0" destOrd="0" presId="urn:microsoft.com/office/officeart/2005/8/layout/radial5"/>
     <dgm:cxn modelId="{E41BEE0B-37FE-4F25-882B-6CFA94557F45}" type="presOf" srcId="{B38B82DF-BF4B-4096-ADB5-E168E6631C9F}" destId="{0C8696C6-86F7-4C27-9FD9-43C1EDAFACC0}" srcOrd="0" destOrd="0" presId="urn:microsoft.com/office/officeart/2005/8/layout/radial5"/>
-    <dgm:cxn modelId="{CD92F0F0-C525-41CB-82BA-A310D3BAFD20}" srcId="{AEDD50E2-630A-4CFC-AB4A-37B3A14456DF}" destId="{4CAEE0D5-4FC9-4B3D-A1F6-0D4A337395EB}" srcOrd="5" destOrd="0" parTransId="{8CC87309-94F1-451D-B281-88F372184AFC}" sibTransId="{6F4BB794-14E1-4A7A-930A-949480FCED95}"/>
-    <dgm:cxn modelId="{2E3679DA-77A3-4EB8-B899-4B21AB1A415F}" type="presOf" srcId="{2EFA5A0F-F528-4B26-A503-0DA6C9486C5B}" destId="{3E2F12D6-4E1F-4D76-B406-56C85FD9EF7C}" srcOrd="0" destOrd="0" presId="urn:microsoft.com/office/officeart/2005/8/layout/radial5"/>
-    <dgm:cxn modelId="{4EE72EBB-7E70-4BBB-862F-025FEB758809}" srcId="{AEDD50E2-630A-4CFC-AB4A-37B3A14456DF}" destId="{B38B82DF-BF4B-4096-ADB5-E168E6631C9F}" srcOrd="3" destOrd="0" parTransId="{E0EEE48B-33B3-4F5C-B9A9-38E5CBE343CC}" sibTransId="{4575FB0C-D6AA-4B31-9F87-16E885ADACE6}"/>
-    <dgm:cxn modelId="{B1E936DA-0C9E-4B17-B35E-09C5C632C848}" type="presOf" srcId="{CA4B039F-2E09-4D8A-8B82-465722A3A6C6}" destId="{A6373C0D-D84A-4961-A0E5-8125C4F88615}" srcOrd="0" destOrd="0" presId="urn:microsoft.com/office/officeart/2005/8/layout/radial5"/>
-    <dgm:cxn modelId="{43D6C6C3-6D1D-432A-94E3-135F4B664462}" type="presOf" srcId="{AEDD50E2-630A-4CFC-AB4A-37B3A14456DF}" destId="{A4858121-A645-41F3-875B-288AAC93DAE7}" srcOrd="0" destOrd="0" presId="urn:microsoft.com/office/officeart/2005/8/layout/radial5"/>
-    <dgm:cxn modelId="{63B264CD-434A-4A8F-A74B-767CF1E3AF10}" type="presOf" srcId="{E88FB233-A4FD-420C-8626-37018709CF58}" destId="{7E5FFC28-2554-4679-94E0-6CD4EBAE5257}" srcOrd="1" destOrd="0" presId="urn:microsoft.com/office/officeart/2005/8/layout/radial5"/>
-    <dgm:cxn modelId="{775A47BD-090E-40A8-8D41-99204EFC8CCA}" type="presOf" srcId="{E0EEE48B-33B3-4F5C-B9A9-38E5CBE343CC}" destId="{DB036232-841B-40DC-A78D-071E1A67DE06}" srcOrd="0" destOrd="0" presId="urn:microsoft.com/office/officeart/2005/8/layout/radial5"/>
-    <dgm:cxn modelId="{73B4FCF5-FCE1-41F5-B88E-2A2AB8140107}" type="presOf" srcId="{4DE7362F-94E4-4225-8D2D-98F0DE019438}" destId="{FBD6B138-464B-4A28-ADA6-FF2772146854}" srcOrd="0" destOrd="0" presId="urn:microsoft.com/office/officeart/2005/8/layout/radial5"/>
-    <dgm:cxn modelId="{AAAA38EF-50C0-43C8-A5FA-B5F88789A968}" type="presOf" srcId="{4A3AA29E-9837-43B6-9F7D-A256BDAB13A8}" destId="{C1F82EDE-3A1B-475F-8FBF-56D4E202FDEA}" srcOrd="0" destOrd="0" presId="urn:microsoft.com/office/officeart/2005/8/layout/radial5"/>
-    <dgm:cxn modelId="{80EF377E-7674-4F95-8137-828CF43C2A2F}" type="presOf" srcId="{8CC87309-94F1-451D-B281-88F372184AFC}" destId="{B7087D4A-1B45-4291-A7EE-0DD035BCFC8A}" srcOrd="0" destOrd="0" presId="urn:microsoft.com/office/officeart/2005/8/layout/radial5"/>
-    <dgm:cxn modelId="{DF3DF5F5-99CB-4652-8AF0-2754CE88C80A}" type="presOf" srcId="{FE7E729C-9F4B-45AE-9179-185237C4E56C}" destId="{89EC353B-2698-4806-8633-F3C3A200887C}" srcOrd="0" destOrd="0" presId="urn:microsoft.com/office/officeart/2005/8/layout/radial5"/>
-    <dgm:cxn modelId="{88F5419B-B9DA-4211-898F-6534A73481DC}" srcId="{AEDD50E2-630A-4CFC-AB4A-37B3A14456DF}" destId="{FE7E729C-9F4B-45AE-9179-185237C4E56C}" srcOrd="2" destOrd="0" parTransId="{E88FB233-A4FD-420C-8626-37018709CF58}" sibTransId="{B541B8B8-6069-439D-8AE6-E58ABB963C6B}"/>
-    <dgm:cxn modelId="{A348F468-B25A-4AEC-B794-55BE4B78BEC3}" type="presOf" srcId="{2EFA5A0F-F528-4B26-A503-0DA6C9486C5B}" destId="{FD5ABCC5-8A3D-4206-9660-998976867B3A}" srcOrd="1" destOrd="0" presId="urn:microsoft.com/office/officeart/2005/8/layout/radial5"/>
     <dgm:cxn modelId="{D8D0254B-E1F9-4DA6-8C89-CD2F9DB360BA}" type="presOf" srcId="{953C1ABD-5DBC-4038-9ED8-0908C596D5CA}" destId="{F55ED1D0-71EB-44C0-8451-60F419FF3CEC}" srcOrd="0" destOrd="0" presId="urn:microsoft.com/office/officeart/2005/8/layout/radial5"/>
     <dgm:cxn modelId="{A7626B19-AD72-451B-B15B-FC6831FB925C}" type="presOf" srcId="{9C5D7268-A625-42F8-8E3E-5A72EDB5B775}" destId="{29906ED4-A1F1-4317-A7E0-39757C531431}" srcOrd="0" destOrd="0" presId="urn:microsoft.com/office/officeart/2005/8/layout/radial5"/>
-    <dgm:cxn modelId="{DF1D0E16-F887-4DDD-BE94-4E646E1B9482}" srcId="{4A3AA29E-9837-43B6-9F7D-A256BDAB13A8}" destId="{AEDD50E2-630A-4CFC-AB4A-37B3A14456DF}" srcOrd="0" destOrd="0" parTransId="{A7D31C6E-48AA-47D1-8322-0A5B8274B996}" sibTransId="{E90920A5-A8C6-41DD-B8C0-D6ACEEFCE1D3}"/>
-    <dgm:cxn modelId="{0D0312BC-1D80-49EE-9137-EA064F8240AF}" srcId="{AEDD50E2-630A-4CFC-AB4A-37B3A14456DF}" destId="{9C5D7268-A625-42F8-8E3E-5A72EDB5B775}" srcOrd="0" destOrd="0" parTransId="{2EFA5A0F-F528-4B26-A503-0DA6C9486C5B}" sibTransId="{B33B900F-669E-49E4-AB65-FBFC6D5002EF}"/>
-    <dgm:cxn modelId="{0BA664AF-DB10-4773-A8A3-B7BF57FCD705}" srcId="{AEDD50E2-630A-4CFC-AB4A-37B3A14456DF}" destId="{4DE7362F-94E4-4225-8D2D-98F0DE019438}" srcOrd="1" destOrd="0" parTransId="{953C1ABD-5DBC-4038-9ED8-0908C596D5CA}" sibTransId="{EBC375B8-8A70-4F8E-AE10-9173AF9AAD92}"/>
-    <dgm:cxn modelId="{64E692F9-0C61-4752-8800-ECE71EC4A222}" type="presOf" srcId="{CA4B039F-2E09-4D8A-8B82-465722A3A6C6}" destId="{CE3FC767-27B0-4F44-A526-1A2C85A32C8E}" srcOrd="1" destOrd="0" presId="urn:microsoft.com/office/officeart/2005/8/layout/radial5"/>
-    <dgm:cxn modelId="{916E989A-7DCE-4E6E-81F1-CAA9A615A762}" type="presOf" srcId="{E88FB233-A4FD-420C-8626-37018709CF58}" destId="{6089C7AC-BE86-4DC5-BF36-04F6C702DCA3}" srcOrd="0" destOrd="0" presId="urn:microsoft.com/office/officeart/2005/8/layout/radial5"/>
-    <dgm:cxn modelId="{3114AD6E-D6D4-429A-8864-56B50B07F215}" type="presOf" srcId="{4CAEE0D5-4FC9-4B3D-A1F6-0D4A337395EB}" destId="{490F622B-DF42-46D9-889A-50EE0A7916FC}" srcOrd="0" destOrd="0" presId="urn:microsoft.com/office/officeart/2005/8/layout/radial5"/>
+    <dgm:cxn modelId="{80EF377E-7674-4F95-8137-828CF43C2A2F}" type="presOf" srcId="{8CC87309-94F1-451D-B281-88F372184AFC}" destId="{B7087D4A-1B45-4291-A7EE-0DD035BCFC8A}" srcOrd="0" destOrd="0" presId="urn:microsoft.com/office/officeart/2005/8/layout/radial5"/>
     <dgm:cxn modelId="{C2303290-B22C-46CE-9342-AFEA534F2CBD}" type="presOf" srcId="{E0EEE48B-33B3-4F5C-B9A9-38E5CBE343CC}" destId="{C7963CFE-1A2D-425F-AAF5-0B8794C5ED22}" srcOrd="1" destOrd="0" presId="urn:microsoft.com/office/officeart/2005/8/layout/radial5"/>
+    <dgm:cxn modelId="{63B264CD-434A-4A8F-A74B-767CF1E3AF10}" type="presOf" srcId="{E88FB233-A4FD-420C-8626-37018709CF58}" destId="{7E5FFC28-2554-4679-94E0-6CD4EBAE5257}" srcOrd="1" destOrd="0" presId="urn:microsoft.com/office/officeart/2005/8/layout/radial5"/>
     <dgm:cxn modelId="{BBA59E23-41B8-4083-9D8C-6EE9463E6C53}" srcId="{AEDD50E2-630A-4CFC-AB4A-37B3A14456DF}" destId="{7508628D-9867-466E-90F1-3F25AE5FC716}" srcOrd="4" destOrd="0" parTransId="{CA4B039F-2E09-4D8A-8B82-465722A3A6C6}" sibTransId="{9D7B6C08-6F1E-4474-A83E-9376FC487E10}"/>
+    <dgm:cxn modelId="{4EE72EBB-7E70-4BBB-862F-025FEB758809}" srcId="{AEDD50E2-630A-4CFC-AB4A-37B3A14456DF}" destId="{B38B82DF-BF4B-4096-ADB5-E168E6631C9F}" srcOrd="3" destOrd="0" parTransId="{E0EEE48B-33B3-4F5C-B9A9-38E5CBE343CC}" sibTransId="{4575FB0C-D6AA-4B31-9F87-16E885ADACE6}"/>
     <dgm:cxn modelId="{B59CBA0E-47F0-4377-B69A-D214D6A787D0}" type="presParOf" srcId="{C1F82EDE-3A1B-475F-8FBF-56D4E202FDEA}" destId="{A4858121-A645-41F3-875B-288AAC93DAE7}" srcOrd="0" destOrd="0" presId="urn:microsoft.com/office/officeart/2005/8/layout/radial5"/>
     <dgm:cxn modelId="{13DB22D3-52C3-48C2-8DE6-E7F06F472033}" type="presParOf" srcId="{C1F82EDE-3A1B-475F-8FBF-56D4E202FDEA}" destId="{3E2F12D6-4E1F-4D76-B406-56C85FD9EF7C}" srcOrd="1" destOrd="0" presId="urn:microsoft.com/office/officeart/2005/8/layout/radial5"/>
     <dgm:cxn modelId="{D5C42DD0-0CB9-4C7E-BD69-371318F800A1}" type="presParOf" srcId="{3E2F12D6-4E1F-4D76-B406-56C85FD9EF7C}" destId="{FD5ABCC5-8A3D-4206-9660-998976867B3A}" srcOrd="0" destOrd="0" presId="urn:microsoft.com/office/officeart/2005/8/layout/radial5"/>
@@ -3693,7 +3784,7 @@
           <a:p>
             <a:fld id="{C5495B23-B40A-40FC-B23E-5FDDCE069B5D}" type="datetimeFigureOut">
               <a:rPr lang="fr-FR" smtClean="0"/>
-              <a:t>01/01/2018</a:t>
+              <a:t>04/01/2018</a:t>
             </a:fld>
             <a:endParaRPr lang="fr-FR"/>
           </a:p>
@@ -3859,7 +3950,7 @@
           <a:p>
             <a:fld id="{522BA693-6A0C-4013-A985-1D1A07B02BE0}" type="datetimeFigureOut">
               <a:rPr lang="fr-FR" smtClean="0"/>
-              <a:t>01/01/2018</a:t>
+              <a:t>04/01/2018</a:t>
             </a:fld>
             <a:endParaRPr lang="fr-FR"/>
           </a:p>
@@ -4969,7 +5060,7 @@
           <a:p>
             <a:fld id="{4FE36861-76F0-4DFC-BC4F-9354408819A9}" type="datetime1">
               <a:rPr lang="en-US" smtClean="0"/>
-              <a:t>1/1/2018</a:t>
+              <a:t>1/4/2018</a:t>
             </a:fld>
             <a:endParaRPr lang="en-US"/>
           </a:p>
@@ -5153,7 +5244,7 @@
           <a:p>
             <a:fld id="{0065636B-5211-423F-9E4C-69162865E509}" type="datetime1">
               <a:rPr lang="en-US" smtClean="0"/>
-              <a:t>1/1/2018</a:t>
+              <a:t>1/4/2018</a:t>
             </a:fld>
             <a:endParaRPr lang="en-US"/>
           </a:p>
@@ -5329,7 +5420,7 @@
           <a:p>
             <a:fld id="{0BFA1D85-18D9-4AF0-88F4-ED7E06D0BA69}" type="datetime1">
               <a:rPr lang="en-US" smtClean="0"/>
-              <a:t>1/1/2018</a:t>
+              <a:t>1/4/2018</a:t>
             </a:fld>
             <a:endParaRPr lang="en-US"/>
           </a:p>
@@ -5495,7 +5586,7 @@
           <a:p>
             <a:fld id="{B1C6EF21-D8E2-4FED-87FE-F02AE8AEB24A}" type="datetime1">
               <a:rPr lang="en-US" smtClean="0"/>
-              <a:t>1/1/2018</a:t>
+              <a:t>1/4/2018</a:t>
             </a:fld>
             <a:endParaRPr lang="en-US"/>
           </a:p>
@@ -5717,7 +5808,7 @@
           <a:p>
             <a:fld id="{87FB909D-72AD-47CF-B470-4214C9D41C61}" type="datetime1">
               <a:rPr lang="en-US" smtClean="0"/>
-              <a:t>1/1/2018</a:t>
+              <a:t>1/4/2018</a:t>
             </a:fld>
             <a:endParaRPr lang="en-US"/>
           </a:p>
@@ -5977,7 +6068,7 @@
           <a:p>
             <a:fld id="{DC8BE30B-9DCB-499A-9A89-FFB1608DE60E}" type="datetime1">
               <a:rPr lang="en-US" smtClean="0"/>
-              <a:t>1/1/2018</a:t>
+              <a:t>1/4/2018</a:t>
             </a:fld>
             <a:endParaRPr lang="en-US"/>
           </a:p>
@@ -6382,7 +6473,7 @@
           <a:p>
             <a:fld id="{C733344C-CD63-4274-800F-14F676588C37}" type="datetime1">
               <a:rPr lang="en-US" smtClean="0"/>
-              <a:t>1/1/2018</a:t>
+              <a:t>1/4/2018</a:t>
             </a:fld>
             <a:endParaRPr lang="en-US"/>
           </a:p>
@@ -6514,7 +6605,7 @@
           <a:p>
             <a:fld id="{C12F266F-2C44-4502-82AF-6D4FF9377C88}" type="datetime1">
               <a:rPr lang="en-US" smtClean="0"/>
-              <a:t>1/1/2018</a:t>
+              <a:t>1/4/2018</a:t>
             </a:fld>
             <a:endParaRPr lang="en-US"/>
           </a:p>
@@ -6615,7 +6706,7 @@
           <a:p>
             <a:fld id="{93012E88-3526-4907-8605-BCD72E9217DC}" type="datetime1">
               <a:rPr lang="en-US" smtClean="0"/>
-              <a:t>1/1/2018</a:t>
+              <a:t>1/4/2018</a:t>
             </a:fld>
             <a:endParaRPr lang="en-US"/>
           </a:p>
@@ -6861,7 +6952,7 @@
           <a:p>
             <a:fld id="{BBA8D125-EDC3-48E9-8F98-6EFDD112B558}" type="datetime1">
               <a:rPr lang="en-US" smtClean="0"/>
-              <a:t>1/1/2018</a:t>
+              <a:t>1/4/2018</a:t>
             </a:fld>
             <a:endParaRPr lang="en-US"/>
           </a:p>
@@ -7106,7 +7197,7 @@
           <a:p>
             <a:fld id="{111CD66A-46A7-451C-BA07-51224E588689}" type="datetime1">
               <a:rPr lang="en-US" smtClean="0"/>
-              <a:t>1/1/2018</a:t>
+              <a:t>1/4/2018</a:t>
             </a:fld>
             <a:endParaRPr lang="en-US"/>
           </a:p>
@@ -7931,7 +8022,7 @@
           <a:p>
             <a:fld id="{B7F0E714-DD62-4651-8758-EE196128C64A}" type="datetime1">
               <a:rPr lang="en-US" smtClean="0"/>
-              <a:t>1/1/2018</a:t>
+              <a:t>1/4/2018</a:t>
             </a:fld>
             <a:endParaRPr lang="en-US"/>
           </a:p>
@@ -9419,15 +9510,7 @@
                   <a:schemeClr val="bg1"/>
                 </a:solidFill>
               </a:rPr>
-              <a:t>2. </a:t>
-            </a:r>
-            <a:r>
-              <a:rPr lang="fr-FR" sz="1600" dirty="0">
-                <a:solidFill>
-                  <a:schemeClr val="bg1"/>
-                </a:solidFill>
-              </a:rPr>
-              <a:t>c</a:t>
+              <a:t>2. c</a:t>
             </a:r>
             <a:r>
               <a:rPr lang="fr-FR" sz="1600" dirty="0" smtClean="0">
@@ -9735,15 +9818,7 @@
                   <a:schemeClr val="bg1"/>
                 </a:solidFill>
               </a:rPr>
-              <a:t>2. </a:t>
-            </a:r>
-            <a:r>
-              <a:rPr lang="fr-FR" sz="1600" dirty="0">
-                <a:solidFill>
-                  <a:schemeClr val="bg1"/>
-                </a:solidFill>
-              </a:rPr>
-              <a:t>c</a:t>
+              <a:t>2. c</a:t>
             </a:r>
             <a:r>
               <a:rPr lang="fr-FR" sz="1600" dirty="0" smtClean="0">
